--- a/kscope21-mobile.pptx
+++ b/kscope21-mobile.pptx
@@ -313,7 +313,7 @@
               <a:rPr lang="en-US" smtClean="0">
                 <a:latin typeface="Oracle Sans Tab" panose="020B0503020204020204" pitchFamily="34" charset="0"/>
               </a:rPr>
-              <a:t>6/27/21</a:t>
+              <a:t>6/28/21</a:t>
             </a:fld>
             <a:endParaRPr lang="en-US" dirty="0">
               <a:latin typeface="Oracle Sans Tab" panose="020B0503020204020204" pitchFamily="34" charset="0"/>
@@ -503,7 +503,7 @@
             <a:fld id="{4F9C25BA-F9B0-4418-8CA0-3A9DF1256BA5}" type="datetimeFigureOut">
               <a:rPr lang="en-US" smtClean="0"/>
               <a:pPr/>
-              <a:t>6/27/21</a:t>
+              <a:t>6/28/21</a:t>
             </a:fld>
             <a:endParaRPr lang="en-US" dirty="0"/>
           </a:p>
@@ -1772,7 +1772,7 @@
           <a:p>
             <a:fld id="{144A390E-87D2-4CBA-AB20-722C39F2889C}" type="datetime1">
               <a:rPr lang="en-US" smtClean="0"/>
-              <a:t>6/27/21</a:t>
+              <a:t>6/28/21</a:t>
             </a:fld>
             <a:endParaRPr lang="en-US" dirty="0"/>
           </a:p>
@@ -2021,7 +2021,7 @@
           <a:p>
             <a:fld id="{9AE8C36C-F008-469A-BF62-824F3D1C5E70}" type="datetime1">
               <a:rPr lang="en-US" smtClean="0"/>
-              <a:t>6/27/21</a:t>
+              <a:t>6/28/21</a:t>
             </a:fld>
             <a:endParaRPr lang="en-US" dirty="0"/>
           </a:p>
@@ -2278,7 +2278,7 @@
           <a:p>
             <a:fld id="{E2FE6BCD-072B-4C98-999C-2F1BF08A8651}" type="datetime1">
               <a:rPr lang="en-US" smtClean="0"/>
-              <a:t>6/27/21</a:t>
+              <a:t>6/28/21</a:t>
             </a:fld>
             <a:endParaRPr lang="en-US" dirty="0"/>
           </a:p>
@@ -2990,7 +2990,7 @@
           <a:p>
             <a:fld id="{7567B211-6658-437D-83F1-FBB0057E47DE}" type="datetime1">
               <a:rPr lang="en-US" smtClean="0"/>
-              <a:t>6/27/21</a:t>
+              <a:t>6/28/21</a:t>
             </a:fld>
             <a:endParaRPr lang="en-US" dirty="0"/>
           </a:p>
@@ -3198,7 +3198,7 @@
           <a:p>
             <a:fld id="{6FD97975-0B61-466D-9FCF-B31DF2BCED0C}" type="datetime1">
               <a:rPr lang="en-US" smtClean="0"/>
-              <a:t>6/27/21</a:t>
+              <a:t>6/28/21</a:t>
             </a:fld>
             <a:endParaRPr lang="en-US" dirty="0"/>
           </a:p>
@@ -3360,7 +3360,7 @@
           <a:p>
             <a:fld id="{3898B69A-3FDC-4CAF-AA64-2A38456C3B7B}" type="datetime1">
               <a:rPr lang="en-US" smtClean="0"/>
-              <a:t>6/27/21</a:t>
+              <a:t>6/28/21</a:t>
             </a:fld>
             <a:endParaRPr lang="en-US" dirty="0"/>
           </a:p>
@@ -3572,7 +3572,7 @@
           <a:p>
             <a:fld id="{577B88C8-B304-42E2-BB3F-7BB2000C45BA}" type="datetime1">
               <a:rPr lang="en-US" smtClean="0"/>
-              <a:t>6/27/21</a:t>
+              <a:t>6/28/21</a:t>
             </a:fld>
             <a:endParaRPr lang="en-US" dirty="0"/>
           </a:p>
@@ -3881,7 +3881,7 @@
           <a:p>
             <a:fld id="{E4EB18A2-7EBE-4232-99F5-52F53521DCFC}" type="datetime1">
               <a:rPr lang="en-US" smtClean="0"/>
-              <a:t>6/27/21</a:t>
+              <a:t>6/28/21</a:t>
             </a:fld>
             <a:endParaRPr lang="en-US" dirty="0"/>
           </a:p>
@@ -4091,7 +4091,7 @@
           <a:p>
             <a:fld id="{95141F94-A6C5-4BF7-A508-2C3B85711BB9}" type="datetime1">
               <a:rPr lang="en-US" smtClean="0"/>
-              <a:t>6/27/21</a:t>
+              <a:t>6/28/21</a:t>
             </a:fld>
             <a:endParaRPr lang="en-US" dirty="0"/>
           </a:p>
@@ -4420,7 +4420,7 @@
           <a:p>
             <a:fld id="{89A25676-9912-48C6-9E3A-F4D21A096116}" type="datetime1">
               <a:rPr lang="en-US" smtClean="0"/>
-              <a:t>6/27/21</a:t>
+              <a:t>6/28/21</a:t>
             </a:fld>
             <a:endParaRPr lang="en-US" dirty="0"/>
           </a:p>
@@ -4550,7 +4550,7 @@
           <a:p>
             <a:fld id="{EE332461-0228-4CE6-818B-14050AF0840D}" type="datetime1">
               <a:rPr lang="en-US" smtClean="0"/>
-              <a:t>6/27/21</a:t>
+              <a:t>6/28/21</a:t>
             </a:fld>
             <a:endParaRPr lang="en-US" dirty="0"/>
           </a:p>
@@ -4997,7 +4997,7 @@
           <a:p>
             <a:fld id="{AEC86372-ED1D-451E-A0DA-92F70A0393B1}" type="datetime1">
               <a:rPr lang="en-US" smtClean="0"/>
-              <a:t>6/27/21</a:t>
+              <a:t>6/28/21</a:t>
             </a:fld>
             <a:endParaRPr lang="en-US" dirty="0"/>
           </a:p>
@@ -5372,7 +5372,7 @@
           <a:p>
             <a:fld id="{DCEB30A5-FB54-4DA1-B38D-1B7DE81C6A48}" type="datetime1">
               <a:rPr lang="en-US" smtClean="0"/>
-              <a:t>6/27/21</a:t>
+              <a:t>6/28/21</a:t>
             </a:fld>
             <a:endParaRPr lang="en-US" dirty="0"/>
           </a:p>
@@ -5787,7 +5787,7 @@
           <a:p>
             <a:fld id="{1412C781-9486-495F-9009-294AB81D9257}" type="datetime1">
               <a:rPr lang="en-US" smtClean="0"/>
-              <a:t>6/27/21</a:t>
+              <a:t>6/28/21</a:t>
             </a:fld>
             <a:endParaRPr lang="en-US" dirty="0"/>
           </a:p>
@@ -5997,7 +5997,7 @@
           <a:p>
             <a:fld id="{B80FBCF9-2936-4056-9408-59954380108C}" type="datetime1">
               <a:rPr lang="en-US" smtClean="0"/>
-              <a:t>6/27/21</a:t>
+              <a:t>6/28/21</a:t>
             </a:fld>
             <a:endParaRPr lang="en-US" dirty="0"/>
           </a:p>
@@ -6388,7 +6388,7 @@
           <a:p>
             <a:fld id="{CD6C986A-168F-4D76-86BB-5B349F7604D5}" type="datetime1">
               <a:rPr lang="en-US" smtClean="0"/>
-              <a:t>6/27/21</a:t>
+              <a:t>6/28/21</a:t>
             </a:fld>
             <a:endParaRPr lang="en-US" dirty="0"/>
           </a:p>
@@ -7341,7 +7341,7 @@
           <a:p>
             <a:fld id="{635E5522-276A-4151-B19E-B34F52E25495}" type="datetime1">
               <a:rPr lang="en-US" smtClean="0"/>
-              <a:t>6/27/21</a:t>
+              <a:t>6/28/21</a:t>
             </a:fld>
             <a:endParaRPr lang="en-US" dirty="0"/>
           </a:p>
@@ -7744,7 +7744,7 @@
           <a:p>
             <a:fld id="{E7CF7386-AF3C-4BD8-832B-AC56F7B7E4F1}" type="datetime1">
               <a:rPr lang="en-US" smtClean="0"/>
-              <a:t>6/27/21</a:t>
+              <a:t>6/28/21</a:t>
             </a:fld>
             <a:endParaRPr lang="en-US" dirty="0"/>
           </a:p>
@@ -8118,7 +8118,7 @@
           <a:p>
             <a:fld id="{3D225CC8-2DCD-421C-8DA9-5A1321322184}" type="datetime1">
               <a:rPr lang="en-US" smtClean="0"/>
-              <a:t>6/27/21</a:t>
+              <a:t>6/28/21</a:t>
             </a:fld>
             <a:endParaRPr lang="en-US" dirty="0"/>
           </a:p>
@@ -8501,7 +8501,7 @@
           <a:p>
             <a:fld id="{A41E71E9-A8ED-4FF5-B66D-14641AA84A5F}" type="datetime1">
               <a:rPr lang="en-US" smtClean="0"/>
-              <a:t>6/27/21</a:t>
+              <a:t>6/28/21</a:t>
             </a:fld>
             <a:endParaRPr lang="en-US" dirty="0"/>
           </a:p>
@@ -8948,7 +8948,7 @@
           <a:p>
             <a:fld id="{DBEB99C5-A240-43E3-B2F9-F67C2DE25171}" type="datetime1">
               <a:rPr lang="en-US" smtClean="0"/>
-              <a:t>6/27/21</a:t>
+              <a:t>6/28/21</a:t>
             </a:fld>
             <a:endParaRPr lang="en-US" dirty="0"/>
           </a:p>
@@ -9439,7 +9439,7 @@
           <a:p>
             <a:fld id="{346C5096-6188-4396-9E8E-C7DC5E109130}" type="datetime1">
               <a:rPr lang="en-US" smtClean="0"/>
-              <a:t>6/27/21</a:t>
+              <a:t>6/28/21</a:t>
             </a:fld>
             <a:endParaRPr lang="en-US" dirty="0"/>
           </a:p>
@@ -9996,7 +9996,7 @@
           <a:p>
             <a:fld id="{8381BC09-957D-45CD-9E0C-0CFA8700F9F5}" type="datetime1">
               <a:rPr lang="en-US" smtClean="0"/>
-              <a:t>6/27/21</a:t>
+              <a:t>6/28/21</a:t>
             </a:fld>
             <a:endParaRPr lang="en-US" dirty="0"/>
           </a:p>
@@ -10596,7 +10596,7 @@
           <a:p>
             <a:fld id="{F1BEC230-374E-4E2A-8BB1-C01222A51658}" type="datetime1">
               <a:rPr lang="en-US" smtClean="0"/>
-              <a:t>6/27/21</a:t>
+              <a:t>6/28/21</a:t>
             </a:fld>
             <a:endParaRPr lang="en-US" dirty="0"/>
           </a:p>
@@ -10993,7 +10993,7 @@
           <a:p>
             <a:fld id="{82BDA199-1C6F-4B76-931E-007EAA6F75F8}" type="datetime1">
               <a:rPr lang="en-US" smtClean="0"/>
-              <a:t>6/27/21</a:t>
+              <a:t>6/28/21</a:t>
             </a:fld>
             <a:endParaRPr lang="en-US" dirty="0"/>
           </a:p>
@@ -11693,7 +11693,7 @@
           <a:p>
             <a:fld id="{3D225CC8-2DCD-421C-8DA9-5A1321322184}" type="datetime1">
               <a:rPr lang="en-US" smtClean="0"/>
-              <a:t>6/27/21</a:t>
+              <a:t>6/28/21</a:t>
             </a:fld>
             <a:endParaRPr lang="en-US" dirty="0"/>
           </a:p>
@@ -12060,7 +12060,7 @@
                   <a:spcPts val="600"/>
                 </a:spcAft>
               </a:pPr>
-              <a:t>6/27/21</a:t>
+              <a:t>6/28/21</a:t>
             </a:fld>
             <a:endParaRPr lang="en-US"/>
           </a:p>
@@ -12217,7 +12217,7 @@
           <a:p>
             <a:fld id="{3898B69A-3FDC-4CAF-AA64-2A38456C3B7B}" type="datetime1">
               <a:rPr lang="en-US" smtClean="0"/>
-              <a:t>6/27/21</a:t>
+              <a:t>6/28/21</a:t>
             </a:fld>
             <a:endParaRPr lang="en-US" dirty="0"/>
           </a:p>
@@ -12401,7 +12401,7 @@
           <a:p>
             <a:fld id="{EE332461-0228-4CE6-818B-14050AF0840D}" type="datetime1">
               <a:rPr lang="en-US" smtClean="0"/>
-              <a:t>6/27/21</a:t>
+              <a:t>6/28/21</a:t>
             </a:fld>
             <a:endParaRPr lang="en-US" dirty="0"/>
           </a:p>
@@ -12594,7 +12594,7 @@
           <a:p>
             <a:fld id="{635E5522-276A-4151-B19E-B34F52E25495}" type="datetime1">
               <a:rPr lang="en-US" smtClean="0"/>
-              <a:t>6/27/21</a:t>
+              <a:t>6/28/21</a:t>
             </a:fld>
             <a:endParaRPr lang="en-US" dirty="0"/>
           </a:p>
@@ -12953,13 +12953,13 @@
   <p:clrMapOvr>
     <a:masterClrMapping/>
   </p:clrMapOvr>
-  <mc:AlternateContent xmlns:mc="http://schemas.openxmlformats.org/markup-compatibility/2006">
-    <mc:Choice xmlns:p14="http://schemas.microsoft.com/office/powerpoint/2010/main" Requires="p14">
+  <mc:AlternateContent xmlns:mc="http://schemas.openxmlformats.org/markup-compatibility/2006" xmlns:p14="http://schemas.microsoft.com/office/powerpoint/2010/main">
+    <mc:Choice Requires="p14">
       <p:transition spd="med" p14:dur="700">
         <p:fade/>
       </p:transition>
     </mc:Choice>
-    <mc:Fallback>
+    <mc:Fallback xmlns="">
       <p:transition spd="med">
         <p:fade/>
       </p:transition>
@@ -13196,7 +13196,7 @@
           <a:p>
             <a:fld id="{E4EB18A2-7EBE-4232-99F5-52F53521DCFC}" type="datetime1">
               <a:rPr lang="en-US" smtClean="0"/>
-              <a:t>6/27/21</a:t>
+              <a:t>6/28/21</a:t>
             </a:fld>
             <a:endParaRPr lang="en-US" dirty="0"/>
           </a:p>
@@ -13271,13 +13271,13 @@
   <p:clrMapOvr>
     <a:masterClrMapping/>
   </p:clrMapOvr>
-  <mc:AlternateContent xmlns:mc="http://schemas.openxmlformats.org/markup-compatibility/2006">
-    <mc:Choice xmlns:p14="http://schemas.microsoft.com/office/powerpoint/2010/main" Requires="p14">
+  <mc:AlternateContent xmlns:mc="http://schemas.openxmlformats.org/markup-compatibility/2006" xmlns:p14="http://schemas.microsoft.com/office/powerpoint/2010/main">
+    <mc:Choice Requires="p14">
       <p:transition spd="med" p14:dur="700">
         <p:fade/>
       </p:transition>
     </mc:Choice>
-    <mc:Fallback>
+    <mc:Fallback xmlns="">
       <p:transition spd="med">
         <p:fade/>
       </p:transition>
@@ -13382,7 +13382,7 @@
           <a:p>
             <a:fld id="{E4EB18A2-7EBE-4232-99F5-52F53521DCFC}" type="datetime1">
               <a:rPr lang="en-US" smtClean="0"/>
-              <a:t>6/27/21</a:t>
+              <a:t>6/28/21</a:t>
             </a:fld>
             <a:endParaRPr lang="en-US" dirty="0"/>
           </a:p>
@@ -13595,7 +13595,7 @@
           <a:p>
             <a:fld id="{9AE8C36C-F008-469A-BF62-824F3D1C5E70}" type="datetime1">
               <a:rPr lang="en-US" smtClean="0"/>
-              <a:t>6/27/21</a:t>
+              <a:t>6/28/21</a:t>
             </a:fld>
             <a:endParaRPr lang="en-US" dirty="0"/>
           </a:p>
@@ -13793,7 +13793,7 @@
           <a:p>
             <a:fld id="{EE332461-0228-4CE6-818B-14050AF0840D}" type="datetime1">
               <a:rPr lang="en-US" smtClean="0"/>
-              <a:t>6/27/21</a:t>
+              <a:t>6/28/21</a:t>
             </a:fld>
             <a:endParaRPr lang="en-US" dirty="0"/>
           </a:p>
@@ -13868,13 +13868,13 @@
   <p:clrMapOvr>
     <a:masterClrMapping/>
   </p:clrMapOvr>
-  <mc:AlternateContent xmlns:mc="http://schemas.openxmlformats.org/markup-compatibility/2006">
-    <mc:Choice xmlns:p14="http://schemas.microsoft.com/office/powerpoint/2010/main" Requires="p14">
+  <mc:AlternateContent xmlns:mc="http://schemas.openxmlformats.org/markup-compatibility/2006" xmlns:p14="http://schemas.microsoft.com/office/powerpoint/2010/main">
+    <mc:Choice Requires="p14">
       <p:transition spd="med" p14:dur="700">
         <p:fade/>
       </p:transition>
     </mc:Choice>
-    <mc:Fallback>
+    <mc:Fallback xmlns="">
       <p:transition spd="med">
         <p:fade/>
       </p:transition>
@@ -14018,7 +14018,7 @@
           <a:p>
             <a:fld id="{EE332461-0228-4CE6-818B-14050AF0840D}" type="datetime1">
               <a:rPr lang="en-US" smtClean="0"/>
-              <a:t>6/27/21</a:t>
+              <a:t>6/28/21</a:t>
             </a:fld>
             <a:endParaRPr lang="en-US" dirty="0"/>
           </a:p>
@@ -14148,7 +14148,7 @@
           <a:p>
             <a:fld id="{3898B69A-3FDC-4CAF-AA64-2A38456C3B7B}" type="datetime1">
               <a:rPr lang="en-US" smtClean="0"/>
-              <a:t>6/27/21</a:t>
+              <a:t>6/28/21</a:t>
             </a:fld>
             <a:endParaRPr lang="en-US" dirty="0"/>
           </a:p>
@@ -14332,7 +14332,7 @@
           <a:p>
             <a:fld id="{95141F94-A6C5-4BF7-A508-2C3B85711BB9}" type="datetime1">
               <a:rPr lang="en-US" smtClean="0"/>
-              <a:t>6/27/21</a:t>
+              <a:t>6/28/21</a:t>
             </a:fld>
             <a:endParaRPr lang="en-US" dirty="0"/>
           </a:p>
